--- a/demo 3.pptx
+++ b/demo 3.pptx
@@ -106,6 +106,11 @@
       </a:defRPr>
     </a:lvl9pPr>
   </p:defaultTextStyle>
+  <p:extLst>
+    <p:ext uri="{EFAFB233-063F-42B5-8137-9DF3F51BA10A}">
+      <p15:sldGuideLst xmlns:p15="http://schemas.microsoft.com/office/powerpoint/2012/main"/>
+    </p:ext>
+  </p:extLst>
 </p:presentation>
 </file>
 
@@ -258,7 +263,7 @@
           <a:p>
             <a:fld id="{2449A92A-2D35-44C7-859F-BCD320AEE5DF}" type="datetimeFigureOut">
               <a:rPr lang="en-CA" smtClean="0"/>
-              <a:t>2019-03-26</a:t>
+              <a:t>2019-03-27</a:t>
             </a:fld>
             <a:endParaRPr lang="en-CA"/>
           </a:p>
@@ -458,7 +463,7 @@
           <a:p>
             <a:fld id="{2449A92A-2D35-44C7-859F-BCD320AEE5DF}" type="datetimeFigureOut">
               <a:rPr lang="en-CA" smtClean="0"/>
-              <a:t>2019-03-26</a:t>
+              <a:t>2019-03-27</a:t>
             </a:fld>
             <a:endParaRPr lang="en-CA"/>
           </a:p>
@@ -668,7 +673,7 @@
           <a:p>
             <a:fld id="{2449A92A-2D35-44C7-859F-BCD320AEE5DF}" type="datetimeFigureOut">
               <a:rPr lang="en-CA" smtClean="0"/>
-              <a:t>2019-03-26</a:t>
+              <a:t>2019-03-27</a:t>
             </a:fld>
             <a:endParaRPr lang="en-CA"/>
           </a:p>
@@ -868,7 +873,7 @@
           <a:p>
             <a:fld id="{2449A92A-2D35-44C7-859F-BCD320AEE5DF}" type="datetimeFigureOut">
               <a:rPr lang="en-CA" smtClean="0"/>
-              <a:t>2019-03-26</a:t>
+              <a:t>2019-03-27</a:t>
             </a:fld>
             <a:endParaRPr lang="en-CA"/>
           </a:p>
@@ -1144,7 +1149,7 @@
           <a:p>
             <a:fld id="{2449A92A-2D35-44C7-859F-BCD320AEE5DF}" type="datetimeFigureOut">
               <a:rPr lang="en-CA" smtClean="0"/>
-              <a:t>2019-03-26</a:t>
+              <a:t>2019-03-27</a:t>
             </a:fld>
             <a:endParaRPr lang="en-CA"/>
           </a:p>
@@ -1412,7 +1417,7 @@
           <a:p>
             <a:fld id="{2449A92A-2D35-44C7-859F-BCD320AEE5DF}" type="datetimeFigureOut">
               <a:rPr lang="en-CA" smtClean="0"/>
-              <a:t>2019-03-26</a:t>
+              <a:t>2019-03-27</a:t>
             </a:fld>
             <a:endParaRPr lang="en-CA"/>
           </a:p>
@@ -1827,7 +1832,7 @@
           <a:p>
             <a:fld id="{2449A92A-2D35-44C7-859F-BCD320AEE5DF}" type="datetimeFigureOut">
               <a:rPr lang="en-CA" smtClean="0"/>
-              <a:t>2019-03-26</a:t>
+              <a:t>2019-03-27</a:t>
             </a:fld>
             <a:endParaRPr lang="en-CA"/>
           </a:p>
@@ -1969,7 +1974,7 @@
           <a:p>
             <a:fld id="{2449A92A-2D35-44C7-859F-BCD320AEE5DF}" type="datetimeFigureOut">
               <a:rPr lang="en-CA" smtClean="0"/>
-              <a:t>2019-03-26</a:t>
+              <a:t>2019-03-27</a:t>
             </a:fld>
             <a:endParaRPr lang="en-CA"/>
           </a:p>
@@ -2082,7 +2087,7 @@
           <a:p>
             <a:fld id="{2449A92A-2D35-44C7-859F-BCD320AEE5DF}" type="datetimeFigureOut">
               <a:rPr lang="en-CA" smtClean="0"/>
-              <a:t>2019-03-26</a:t>
+              <a:t>2019-03-27</a:t>
             </a:fld>
             <a:endParaRPr lang="en-CA"/>
           </a:p>
@@ -2395,7 +2400,7 @@
           <a:p>
             <a:fld id="{2449A92A-2D35-44C7-859F-BCD320AEE5DF}" type="datetimeFigureOut">
               <a:rPr lang="en-CA" smtClean="0"/>
-              <a:t>2019-03-26</a:t>
+              <a:t>2019-03-27</a:t>
             </a:fld>
             <a:endParaRPr lang="en-CA"/>
           </a:p>
@@ -2684,7 +2689,7 @@
           <a:p>
             <a:fld id="{2449A92A-2D35-44C7-859F-BCD320AEE5DF}" type="datetimeFigureOut">
               <a:rPr lang="en-CA" smtClean="0"/>
-              <a:t>2019-03-26</a:t>
+              <a:t>2019-03-27</a:t>
             </a:fld>
             <a:endParaRPr lang="en-CA"/>
           </a:p>
@@ -2936,7 +2941,7 @@
           <a:p>
             <a:fld id="{2449A92A-2D35-44C7-859F-BCD320AEE5DF}" type="datetimeFigureOut">
               <a:rPr lang="en-CA" smtClean="0"/>
-              <a:t>2019-03-26</a:t>
+              <a:t>2019-03-27</a:t>
             </a:fld>
             <a:endParaRPr lang="en-CA"/>
           </a:p>
@@ -3525,7 +3530,18 @@
             <p:ph type="title"/>
           </p:nvPr>
         </p:nvSpPr>
-        <p:spPr/>
+        <p:spPr>
+          <a:xfrm>
+            <a:off x="4059417" y="242576"/>
+            <a:ext cx="4073165" cy="1325563"/>
+          </a:xfrm>
+          <a:solidFill>
+            <a:schemeClr val="accent1">
+              <a:lumMod val="60000"/>
+              <a:lumOff val="40000"/>
+            </a:schemeClr>
+          </a:solidFill>
+        </p:spPr>
         <p:txBody>
           <a:bodyPr/>
           <a:lstStyle/>
@@ -3558,7 +3574,18 @@
             <p:ph idx="1"/>
           </p:nvPr>
         </p:nvSpPr>
-        <p:spPr/>
+        <p:spPr>
+          <a:xfrm>
+            <a:off x="2574695" y="1791862"/>
+            <a:ext cx="7042608" cy="3274276"/>
+          </a:xfrm>
+          <a:solidFill>
+            <a:schemeClr val="accent1">
+              <a:lumMod val="60000"/>
+              <a:lumOff val="40000"/>
+            </a:schemeClr>
+          </a:solidFill>
+        </p:spPr>
         <p:txBody>
           <a:bodyPr/>
           <a:lstStyle/>
@@ -3676,7 +3703,14 @@
             <p:ph type="title"/>
           </p:nvPr>
         </p:nvSpPr>
-        <p:spPr/>
+        <p:spPr>
+          <a:solidFill>
+            <a:schemeClr val="accent1">
+              <a:lumMod val="60000"/>
+              <a:lumOff val="40000"/>
+            </a:schemeClr>
+          </a:solidFill>
+        </p:spPr>
         <p:txBody>
           <a:bodyPr/>
           <a:lstStyle/>
@@ -3709,7 +3743,18 @@
             <p:ph idx="1"/>
           </p:nvPr>
         </p:nvSpPr>
-        <p:spPr/>
+        <p:spPr>
+          <a:xfrm>
+            <a:off x="838200" y="1825625"/>
+            <a:ext cx="10515600" cy="1603375"/>
+          </a:xfrm>
+          <a:solidFill>
+            <a:schemeClr val="accent1">
+              <a:lumMod val="60000"/>
+              <a:lumOff val="40000"/>
+            </a:schemeClr>
+          </a:solidFill>
+        </p:spPr>
         <p:txBody>
           <a:bodyPr/>
           <a:lstStyle/>
